--- a/documents/egt-get-modules-architecture.pptx
+++ b/documents/egt-get-modules-architecture.pptx
@@ -6,6 +6,7 @@
   </p:sldMasterIdLst>
   <p:sldIdLst>
     <p:sldId id="256" r:id="rId2"/>
+    <p:sldId id="257" r:id="rId3"/>
   </p:sldIdLst>
   <p:sldSz cx="12192000" cy="6858000"/>
   <p:notesSz cx="6858000" cy="9144000"/>
@@ -104,6 +105,11 @@
       </a:defRPr>
     </a:lvl9pPr>
   </p:defaultTextStyle>
+  <p:extLst>
+    <p:ext uri="{EFAFB233-063F-42B5-8137-9DF3F51BA10A}">
+      <p15:sldGuideLst xmlns:p15="http://schemas.microsoft.com/office/powerpoint/2012/main"/>
+    </p:ext>
+  </p:extLst>
 </p:presentation>
 </file>
 
@@ -256,7 +262,7 @@
           <a:p>
             <a:fld id="{7344D83B-B6C1-4977-97C7-40650F41FB90}" type="datetimeFigureOut">
               <a:rPr lang="en-GB" smtClean="0"/>
-              <a:t>01/09/2020</a:t>
+              <a:t>19/09/2020</a:t>
             </a:fld>
             <a:endParaRPr lang="en-GB"/>
           </a:p>
@@ -456,7 +462,7 @@
           <a:p>
             <a:fld id="{7344D83B-B6C1-4977-97C7-40650F41FB90}" type="datetimeFigureOut">
               <a:rPr lang="en-GB" smtClean="0"/>
-              <a:t>01/09/2020</a:t>
+              <a:t>19/09/2020</a:t>
             </a:fld>
             <a:endParaRPr lang="en-GB"/>
           </a:p>
@@ -666,7 +672,7 @@
           <a:p>
             <a:fld id="{7344D83B-B6C1-4977-97C7-40650F41FB90}" type="datetimeFigureOut">
               <a:rPr lang="en-GB" smtClean="0"/>
-              <a:t>01/09/2020</a:t>
+              <a:t>19/09/2020</a:t>
             </a:fld>
             <a:endParaRPr lang="en-GB"/>
           </a:p>
@@ -866,7 +872,7 @@
           <a:p>
             <a:fld id="{7344D83B-B6C1-4977-97C7-40650F41FB90}" type="datetimeFigureOut">
               <a:rPr lang="en-GB" smtClean="0"/>
-              <a:t>01/09/2020</a:t>
+              <a:t>19/09/2020</a:t>
             </a:fld>
             <a:endParaRPr lang="en-GB"/>
           </a:p>
@@ -1142,7 +1148,7 @@
           <a:p>
             <a:fld id="{7344D83B-B6C1-4977-97C7-40650F41FB90}" type="datetimeFigureOut">
               <a:rPr lang="en-GB" smtClean="0"/>
-              <a:t>01/09/2020</a:t>
+              <a:t>19/09/2020</a:t>
             </a:fld>
             <a:endParaRPr lang="en-GB"/>
           </a:p>
@@ -1410,7 +1416,7 @@
           <a:p>
             <a:fld id="{7344D83B-B6C1-4977-97C7-40650F41FB90}" type="datetimeFigureOut">
               <a:rPr lang="en-GB" smtClean="0"/>
-              <a:t>01/09/2020</a:t>
+              <a:t>19/09/2020</a:t>
             </a:fld>
             <a:endParaRPr lang="en-GB"/>
           </a:p>
@@ -1825,7 +1831,7 @@
           <a:p>
             <a:fld id="{7344D83B-B6C1-4977-97C7-40650F41FB90}" type="datetimeFigureOut">
               <a:rPr lang="en-GB" smtClean="0"/>
-              <a:t>01/09/2020</a:t>
+              <a:t>19/09/2020</a:t>
             </a:fld>
             <a:endParaRPr lang="en-GB"/>
           </a:p>
@@ -1967,7 +1973,7 @@
           <a:p>
             <a:fld id="{7344D83B-B6C1-4977-97C7-40650F41FB90}" type="datetimeFigureOut">
               <a:rPr lang="en-GB" smtClean="0"/>
-              <a:t>01/09/2020</a:t>
+              <a:t>19/09/2020</a:t>
             </a:fld>
             <a:endParaRPr lang="en-GB"/>
           </a:p>
@@ -2080,7 +2086,7 @@
           <a:p>
             <a:fld id="{7344D83B-B6C1-4977-97C7-40650F41FB90}" type="datetimeFigureOut">
               <a:rPr lang="en-GB" smtClean="0"/>
-              <a:t>01/09/2020</a:t>
+              <a:t>19/09/2020</a:t>
             </a:fld>
             <a:endParaRPr lang="en-GB"/>
           </a:p>
@@ -2393,7 +2399,7 @@
           <a:p>
             <a:fld id="{7344D83B-B6C1-4977-97C7-40650F41FB90}" type="datetimeFigureOut">
               <a:rPr lang="en-GB" smtClean="0"/>
-              <a:t>01/09/2020</a:t>
+              <a:t>19/09/2020</a:t>
             </a:fld>
             <a:endParaRPr lang="en-GB"/>
           </a:p>
@@ -2682,7 +2688,7 @@
           <a:p>
             <a:fld id="{7344D83B-B6C1-4977-97C7-40650F41FB90}" type="datetimeFigureOut">
               <a:rPr lang="en-GB" smtClean="0"/>
-              <a:t>01/09/2020</a:t>
+              <a:t>19/09/2020</a:t>
             </a:fld>
             <a:endParaRPr lang="en-GB"/>
           </a:p>
@@ -2925,7 +2931,7 @@
           <a:p>
             <a:fld id="{7344D83B-B6C1-4977-97C7-40650F41FB90}" type="datetimeFigureOut">
               <a:rPr lang="en-GB" smtClean="0"/>
-              <a:t>01/09/2020</a:t>
+              <a:t>19/09/2020</a:t>
             </a:fld>
             <a:endParaRPr lang="en-GB"/>
           </a:p>
@@ -3597,10 +3603,903 @@
           </a:p>
         </p:txBody>
       </p:sp>
+      <p:pic>
+        <p:nvPicPr>
+          <p:cNvPr id="3" name="Picture 2" descr="A picture containing drawing&#10;&#10;Description automatically generated">
+            <a:extLst>
+              <a:ext uri="{FF2B5EF4-FFF2-40B4-BE49-F238E27FC236}">
+                <a16:creationId xmlns:a16="http://schemas.microsoft.com/office/drawing/2014/main" id="{2C2C6184-C15E-4EA6-8DF0-1EDF0478CE6E}"/>
+              </a:ext>
+            </a:extLst>
+          </p:cNvPr>
+          <p:cNvPicPr>
+            <a:picLocks noChangeAspect="1"/>
+          </p:cNvPicPr>
+          <p:nvPr/>
+        </p:nvPicPr>
+        <p:blipFill>
+          <a:blip r:embed="rId6">
+            <a:extLst>
+              <a:ext uri="{28A0092B-C50C-407E-A947-70E740481C1C}">
+                <a14:useLocalDpi xmlns:a14="http://schemas.microsoft.com/office/drawing/2010/main" val="0"/>
+              </a:ext>
+            </a:extLst>
+          </a:blip>
+          <a:stretch>
+            <a:fillRect/>
+          </a:stretch>
+        </p:blipFill>
+        <p:spPr>
+          <a:xfrm>
+            <a:off x="7478014" y="1910363"/>
+            <a:ext cx="2295514" cy="646023"/>
+          </a:xfrm>
+          <a:prstGeom prst="rect">
+            <a:avLst/>
+          </a:prstGeom>
+        </p:spPr>
+      </p:pic>
     </p:spTree>
     <p:extLst>
       <p:ext uri="{BB962C8B-B14F-4D97-AF65-F5344CB8AC3E}">
         <p14:creationId xmlns:p14="http://schemas.microsoft.com/office/powerpoint/2010/main" val="1896603290"/>
+      </p:ext>
+    </p:extLst>
+  </p:cSld>
+  <p:clrMapOvr>
+    <a:masterClrMapping/>
+  </p:clrMapOvr>
+</p:sld>
+</file>
+
+<file path=ppt/slides/slide2.xml><?xml version="1.0" encoding="utf-8"?>
+<p:sld xmlns:a="http://schemas.openxmlformats.org/drawingml/2006/main" xmlns:r="http://schemas.openxmlformats.org/officeDocument/2006/relationships" xmlns:p="http://schemas.openxmlformats.org/presentationml/2006/main">
+  <p:cSld>
+    <p:spTree>
+      <p:nvGrpSpPr>
+        <p:cNvPr id="1" name=""/>
+        <p:cNvGrpSpPr/>
+        <p:nvPr/>
+      </p:nvGrpSpPr>
+      <p:grpSpPr>
+        <a:xfrm>
+          <a:off x="0" y="0"/>
+          <a:ext cx="0" cy="0"/>
+          <a:chOff x="0" y="0"/>
+          <a:chExt cx="0" cy="0"/>
+        </a:xfrm>
+      </p:grpSpPr>
+      <p:grpSp>
+        <p:nvGrpSpPr>
+          <p:cNvPr id="17" name="Group 16">
+            <a:extLst>
+              <a:ext uri="{FF2B5EF4-FFF2-40B4-BE49-F238E27FC236}">
+                <a16:creationId xmlns:a16="http://schemas.microsoft.com/office/drawing/2014/main" id="{55D7227C-E163-40AF-82F7-18A717D817F6}"/>
+              </a:ext>
+            </a:extLst>
+          </p:cNvPr>
+          <p:cNvGrpSpPr/>
+          <p:nvPr/>
+        </p:nvGrpSpPr>
+        <p:grpSpPr>
+          <a:xfrm>
+            <a:off x="893855" y="458493"/>
+            <a:ext cx="1419031" cy="1258332"/>
+            <a:chOff x="2113058" y="988060"/>
+            <a:chExt cx="1419031" cy="1258332"/>
+          </a:xfrm>
+        </p:grpSpPr>
+        <p:pic>
+          <p:nvPicPr>
+            <p:cNvPr id="5" name="Picture 4" descr="A picture containing window, drawing&#10;&#10;Description automatically generated">
+              <a:extLst>
+                <a:ext uri="{FF2B5EF4-FFF2-40B4-BE49-F238E27FC236}">
+                  <a16:creationId xmlns:a16="http://schemas.microsoft.com/office/drawing/2014/main" id="{5213AA8D-3430-4929-A1FF-553CFB65DBF2}"/>
+                </a:ext>
+              </a:extLst>
+            </p:cNvPr>
+            <p:cNvPicPr>
+              <a:picLocks noChangeAspect="1"/>
+            </p:cNvPicPr>
+            <p:nvPr/>
+          </p:nvPicPr>
+          <p:blipFill>
+            <a:blip r:embed="rId2">
+              <a:extLst>
+                <a:ext uri="{28A0092B-C50C-407E-A947-70E740481C1C}">
+                  <a14:useLocalDpi xmlns:a14="http://schemas.microsoft.com/office/drawing/2010/main" val="0"/>
+                </a:ext>
+              </a:extLst>
+            </a:blip>
+            <a:stretch>
+              <a:fillRect/>
+            </a:stretch>
+          </p:blipFill>
+          <p:spPr>
+            <a:xfrm>
+              <a:off x="2113058" y="988060"/>
+              <a:ext cx="1419031" cy="1003300"/>
+            </a:xfrm>
+            <a:prstGeom prst="rect">
+              <a:avLst/>
+            </a:prstGeom>
+          </p:spPr>
+        </p:pic>
+        <p:sp>
+          <p:nvSpPr>
+            <p:cNvPr id="6" name="TextBox 5">
+              <a:extLst>
+                <a:ext uri="{FF2B5EF4-FFF2-40B4-BE49-F238E27FC236}">
+                  <a16:creationId xmlns:a16="http://schemas.microsoft.com/office/drawing/2014/main" id="{D20A2BBC-7BDA-4F94-A112-A09EFA5D1C0C}"/>
+                </a:ext>
+              </a:extLst>
+            </p:cNvPr>
+            <p:cNvSpPr txBox="1"/>
+            <p:nvPr/>
+          </p:nvSpPr>
+          <p:spPr>
+            <a:xfrm>
+              <a:off x="2301597" y="1877060"/>
+              <a:ext cx="1041952" cy="369332"/>
+            </a:xfrm>
+            <a:prstGeom prst="rect">
+              <a:avLst/>
+            </a:prstGeom>
+            <a:noFill/>
+          </p:spPr>
+          <p:txBody>
+            <a:bodyPr wrap="none" rtlCol="0">
+              <a:spAutoFit/>
+            </a:bodyPr>
+            <a:lstStyle/>
+            <a:p>
+              <a:r>
+                <a:rPr lang="en-GB" dirty="0"/>
+                <a:t>Frontend</a:t>
+              </a:r>
+            </a:p>
+          </p:txBody>
+        </p:sp>
+      </p:grpSp>
+      <p:grpSp>
+        <p:nvGrpSpPr>
+          <p:cNvPr id="71" name="Group 70">
+            <a:extLst>
+              <a:ext uri="{FF2B5EF4-FFF2-40B4-BE49-F238E27FC236}">
+                <a16:creationId xmlns:a16="http://schemas.microsoft.com/office/drawing/2014/main" id="{6017D623-A03B-4191-952F-CD35EA0E3FCD}"/>
+              </a:ext>
+            </a:extLst>
+          </p:cNvPr>
+          <p:cNvGrpSpPr/>
+          <p:nvPr/>
+        </p:nvGrpSpPr>
+        <p:grpSpPr>
+          <a:xfrm>
+            <a:off x="3804752" y="2167751"/>
+            <a:ext cx="1386840" cy="1520210"/>
+            <a:chOff x="3460002" y="3207510"/>
+            <a:chExt cx="1386840" cy="1520210"/>
+          </a:xfrm>
+        </p:grpSpPr>
+        <p:pic>
+          <p:nvPicPr>
+            <p:cNvPr id="10" name="Picture 9" descr="A picture containing building, brick, sign&#10;&#10;Description automatically generated">
+              <a:extLst>
+                <a:ext uri="{FF2B5EF4-FFF2-40B4-BE49-F238E27FC236}">
+                  <a16:creationId xmlns:a16="http://schemas.microsoft.com/office/drawing/2014/main" id="{D6D50120-8F39-43C7-8DA5-246BB7E11D28}"/>
+                </a:ext>
+              </a:extLst>
+            </p:cNvPr>
+            <p:cNvPicPr>
+              <a:picLocks noChangeAspect="1"/>
+            </p:cNvPicPr>
+            <p:nvPr/>
+          </p:nvPicPr>
+          <p:blipFill>
+            <a:blip r:embed="rId3">
+              <a:extLst>
+                <a:ext uri="{28A0092B-C50C-407E-A947-70E740481C1C}">
+                  <a14:useLocalDpi xmlns:a14="http://schemas.microsoft.com/office/drawing/2010/main" val="0"/>
+                </a:ext>
+              </a:extLst>
+            </a:blip>
+            <a:stretch>
+              <a:fillRect/>
+            </a:stretch>
+          </p:blipFill>
+          <p:spPr>
+            <a:xfrm>
+              <a:off x="3460002" y="3207510"/>
+              <a:ext cx="1386840" cy="1386840"/>
+            </a:xfrm>
+            <a:prstGeom prst="rect">
+              <a:avLst/>
+            </a:prstGeom>
+          </p:spPr>
+        </p:pic>
+        <p:sp>
+          <p:nvSpPr>
+            <p:cNvPr id="12" name="TextBox 11">
+              <a:extLst>
+                <a:ext uri="{FF2B5EF4-FFF2-40B4-BE49-F238E27FC236}">
+                  <a16:creationId xmlns:a16="http://schemas.microsoft.com/office/drawing/2014/main" id="{A810FBC5-62DA-45AC-8CC0-03094A2139E3}"/>
+                </a:ext>
+              </a:extLst>
+            </p:cNvPr>
+            <p:cNvSpPr txBox="1"/>
+            <p:nvPr/>
+          </p:nvSpPr>
+          <p:spPr>
+            <a:xfrm>
+              <a:off x="3501608" y="4358388"/>
+              <a:ext cx="1303627" cy="369332"/>
+            </a:xfrm>
+            <a:prstGeom prst="rect">
+              <a:avLst/>
+            </a:prstGeom>
+            <a:noFill/>
+          </p:spPr>
+          <p:txBody>
+            <a:bodyPr wrap="none" rtlCol="0">
+              <a:spAutoFit/>
+            </a:bodyPr>
+            <a:lstStyle/>
+            <a:p>
+              <a:r>
+                <a:rPr lang="en-GB" dirty="0" err="1"/>
+                <a:t>getModules</a:t>
+              </a:r>
+              <a:endParaRPr lang="en-GB" dirty="0"/>
+            </a:p>
+          </p:txBody>
+        </p:sp>
+      </p:grpSp>
+      <p:cxnSp>
+        <p:nvCxnSpPr>
+          <p:cNvPr id="37" name="Straight Arrow Connector 36">
+            <a:extLst>
+              <a:ext uri="{FF2B5EF4-FFF2-40B4-BE49-F238E27FC236}">
+                <a16:creationId xmlns:a16="http://schemas.microsoft.com/office/drawing/2014/main" id="{CB6509E2-44F7-43F2-8AF7-77DB95045250}"/>
+              </a:ext>
+            </a:extLst>
+          </p:cNvPr>
+          <p:cNvCxnSpPr>
+            <a:cxnSpLocks/>
+            <a:stCxn id="6" idx="2"/>
+            <a:endCxn id="8" idx="0"/>
+          </p:cNvCxnSpPr>
+          <p:nvPr/>
+        </p:nvCxnSpPr>
+        <p:spPr>
+          <a:xfrm>
+            <a:off x="1603370" y="1716825"/>
+            <a:ext cx="3205" cy="705660"/>
+          </a:xfrm>
+          <a:prstGeom prst="straightConnector1">
+            <a:avLst/>
+          </a:prstGeom>
+          <a:ln>
+            <a:tailEnd type="triangle"/>
+          </a:ln>
+        </p:spPr>
+        <p:style>
+          <a:lnRef idx="1">
+            <a:schemeClr val="dk1"/>
+          </a:lnRef>
+          <a:fillRef idx="0">
+            <a:schemeClr val="dk1"/>
+          </a:fillRef>
+          <a:effectRef idx="0">
+            <a:schemeClr val="dk1"/>
+          </a:effectRef>
+          <a:fontRef idx="minor">
+            <a:schemeClr val="tx1"/>
+          </a:fontRef>
+        </p:style>
+      </p:cxnSp>
+      <p:grpSp>
+        <p:nvGrpSpPr>
+          <p:cNvPr id="48" name="Group 47">
+            <a:extLst>
+              <a:ext uri="{FF2B5EF4-FFF2-40B4-BE49-F238E27FC236}">
+                <a16:creationId xmlns:a16="http://schemas.microsoft.com/office/drawing/2014/main" id="{30D8AB95-658E-430E-A9AA-05B283448EA8}"/>
+              </a:ext>
+            </a:extLst>
+          </p:cNvPr>
+          <p:cNvGrpSpPr/>
+          <p:nvPr/>
+        </p:nvGrpSpPr>
+        <p:grpSpPr>
+          <a:xfrm>
+            <a:off x="921839" y="2422485"/>
+            <a:ext cx="1363065" cy="1265476"/>
+            <a:chOff x="921839" y="2422485"/>
+            <a:chExt cx="1363065" cy="1265476"/>
+          </a:xfrm>
+        </p:grpSpPr>
+        <p:pic>
+          <p:nvPicPr>
+            <p:cNvPr id="8" name="Picture 7" descr="A picture containing table&#10;&#10;Description automatically generated">
+              <a:extLst>
+                <a:ext uri="{FF2B5EF4-FFF2-40B4-BE49-F238E27FC236}">
+                  <a16:creationId xmlns:a16="http://schemas.microsoft.com/office/drawing/2014/main" id="{7DF986BB-F987-4182-98D4-B0CCE4F74F94}"/>
+                </a:ext>
+              </a:extLst>
+            </p:cNvPr>
+            <p:cNvPicPr>
+              <a:picLocks noChangeAspect="1"/>
+            </p:cNvPicPr>
+            <p:nvPr/>
+          </p:nvPicPr>
+          <p:blipFill rotWithShape="1">
+            <a:blip r:embed="rId4">
+              <a:clrChange>
+                <a:clrFrom>
+                  <a:srgbClr val="FFFFFF"/>
+                </a:clrFrom>
+                <a:clrTo>
+                  <a:srgbClr val="FFFFFF">
+                    <a:alpha val="0"/>
+                  </a:srgbClr>
+                </a:clrTo>
+              </a:clrChange>
+              <a:extLst>
+                <a:ext uri="{28A0092B-C50C-407E-A947-70E740481C1C}">
+                  <a14:useLocalDpi xmlns:a14="http://schemas.microsoft.com/office/drawing/2010/main" val="0"/>
+                </a:ext>
+              </a:extLst>
+            </a:blip>
+            <a:srcRect l="22838" t="14927" r="29701" b="43893"/>
+            <a:stretch/>
+          </p:blipFill>
+          <p:spPr>
+            <a:xfrm>
+              <a:off x="1028419" y="2422485"/>
+              <a:ext cx="1156312" cy="1003300"/>
+            </a:xfrm>
+            <a:prstGeom prst="rect">
+              <a:avLst/>
+            </a:prstGeom>
+          </p:spPr>
+        </p:pic>
+        <p:sp>
+          <p:nvSpPr>
+            <p:cNvPr id="45" name="TextBox 44">
+              <a:extLst>
+                <a:ext uri="{FF2B5EF4-FFF2-40B4-BE49-F238E27FC236}">
+                  <a16:creationId xmlns:a16="http://schemas.microsoft.com/office/drawing/2014/main" id="{BE7F2FDB-A909-4749-B275-BAB82B837350}"/>
+                </a:ext>
+              </a:extLst>
+            </p:cNvPr>
+            <p:cNvSpPr txBox="1"/>
+            <p:nvPr/>
+          </p:nvSpPr>
+          <p:spPr>
+            <a:xfrm>
+              <a:off x="921839" y="3318629"/>
+              <a:ext cx="1363065" cy="369332"/>
+            </a:xfrm>
+            <a:prstGeom prst="rect">
+              <a:avLst/>
+            </a:prstGeom>
+            <a:noFill/>
+          </p:spPr>
+          <p:txBody>
+            <a:bodyPr wrap="none" rtlCol="0">
+              <a:spAutoFit/>
+            </a:bodyPr>
+            <a:lstStyle/>
+            <a:p>
+              <a:r>
+                <a:rPr lang="en-GB" dirty="0"/>
+                <a:t>API Gateway</a:t>
+              </a:r>
+            </a:p>
+          </p:txBody>
+        </p:sp>
+      </p:grpSp>
+      <p:grpSp>
+        <p:nvGrpSpPr>
+          <p:cNvPr id="72" name="Group 71">
+            <a:extLst>
+              <a:ext uri="{FF2B5EF4-FFF2-40B4-BE49-F238E27FC236}">
+                <a16:creationId xmlns:a16="http://schemas.microsoft.com/office/drawing/2014/main" id="{34AEDB2F-F8B5-41B5-8F48-FD4964001582}"/>
+              </a:ext>
+            </a:extLst>
+          </p:cNvPr>
+          <p:cNvGrpSpPr/>
+          <p:nvPr/>
+        </p:nvGrpSpPr>
+        <p:grpSpPr>
+          <a:xfrm>
+            <a:off x="7088900" y="2504064"/>
+            <a:ext cx="2823925" cy="1186908"/>
+            <a:chOff x="5895020" y="3751802"/>
+            <a:chExt cx="2823925" cy="1186908"/>
+          </a:xfrm>
+        </p:grpSpPr>
+        <p:pic>
+          <p:nvPicPr>
+            <p:cNvPr id="55" name="Picture 54" descr="A picture containing drawing&#10;&#10;Description automatically generated">
+              <a:extLst>
+                <a:ext uri="{FF2B5EF4-FFF2-40B4-BE49-F238E27FC236}">
+                  <a16:creationId xmlns:a16="http://schemas.microsoft.com/office/drawing/2014/main" id="{ACB37766-28CC-4EEE-A2BF-237F10F7B37F}"/>
+                </a:ext>
+              </a:extLst>
+            </p:cNvPr>
+            <p:cNvPicPr>
+              <a:picLocks noChangeAspect="1"/>
+            </p:cNvPicPr>
+            <p:nvPr/>
+          </p:nvPicPr>
+          <p:blipFill>
+            <a:blip r:embed="rId5">
+              <a:extLst>
+                <a:ext uri="{28A0092B-C50C-407E-A947-70E740481C1C}">
+                  <a14:useLocalDpi xmlns:a14="http://schemas.microsoft.com/office/drawing/2010/main" val="0"/>
+                </a:ext>
+              </a:extLst>
+            </a:blip>
+            <a:stretch>
+              <a:fillRect/>
+            </a:stretch>
+          </p:blipFill>
+          <p:spPr>
+            <a:xfrm>
+              <a:off x="5895020" y="3751802"/>
+              <a:ext cx="2823925" cy="794733"/>
+            </a:xfrm>
+            <a:prstGeom prst="rect">
+              <a:avLst/>
+            </a:prstGeom>
+          </p:spPr>
+        </p:pic>
+        <p:sp>
+          <p:nvSpPr>
+            <p:cNvPr id="57" name="TextBox 56">
+              <a:extLst>
+                <a:ext uri="{FF2B5EF4-FFF2-40B4-BE49-F238E27FC236}">
+                  <a16:creationId xmlns:a16="http://schemas.microsoft.com/office/drawing/2014/main" id="{286FC722-92D0-48A3-B652-1EB5A295B9D8}"/>
+                </a:ext>
+              </a:extLst>
+            </p:cNvPr>
+            <p:cNvSpPr txBox="1"/>
+            <p:nvPr/>
+          </p:nvSpPr>
+          <p:spPr>
+            <a:xfrm>
+              <a:off x="6590135" y="4569378"/>
+              <a:ext cx="1240789" cy="369332"/>
+            </a:xfrm>
+            <a:prstGeom prst="rect">
+              <a:avLst/>
+            </a:prstGeom>
+            <a:noFill/>
+          </p:spPr>
+          <p:txBody>
+            <a:bodyPr wrap="none" rtlCol="0">
+              <a:spAutoFit/>
+            </a:bodyPr>
+            <a:lstStyle/>
+            <a:p>
+              <a:r>
+                <a:rPr lang="en-GB" dirty="0"/>
+                <a:t>essex.ac.uk</a:t>
+              </a:r>
+            </a:p>
+          </p:txBody>
+        </p:sp>
+      </p:grpSp>
+      <p:cxnSp>
+        <p:nvCxnSpPr>
+          <p:cNvPr id="62" name="Connector: Curved 61">
+            <a:extLst>
+              <a:ext uri="{FF2B5EF4-FFF2-40B4-BE49-F238E27FC236}">
+                <a16:creationId xmlns:a16="http://schemas.microsoft.com/office/drawing/2014/main" id="{CFC9717F-BD85-42BB-B3C3-68B665CC9E4C}"/>
+              </a:ext>
+            </a:extLst>
+          </p:cNvPr>
+          <p:cNvCxnSpPr>
+            <a:cxnSpLocks/>
+            <a:stCxn id="10" idx="0"/>
+            <a:endCxn id="5" idx="3"/>
+          </p:cNvCxnSpPr>
+          <p:nvPr/>
+        </p:nvCxnSpPr>
+        <p:spPr>
+          <a:xfrm rot="16200000" flipV="1">
+            <a:off x="2801725" y="471304"/>
+            <a:ext cx="1207608" cy="2185286"/>
+          </a:xfrm>
+          <a:prstGeom prst="curvedConnector2">
+            <a:avLst/>
+          </a:prstGeom>
+          <a:ln>
+            <a:tailEnd type="triangle"/>
+          </a:ln>
+        </p:spPr>
+        <p:style>
+          <a:lnRef idx="1">
+            <a:schemeClr val="dk1"/>
+          </a:lnRef>
+          <a:fillRef idx="0">
+            <a:schemeClr val="dk1"/>
+          </a:fillRef>
+          <a:effectRef idx="0">
+            <a:schemeClr val="dk1"/>
+          </a:effectRef>
+          <a:fontRef idx="minor">
+            <a:schemeClr val="tx1"/>
+          </a:fontRef>
+        </p:style>
+      </p:cxnSp>
+      <p:sp>
+        <p:nvSpPr>
+          <p:cNvPr id="65" name="TextBox 64">
+            <a:extLst>
+              <a:ext uri="{FF2B5EF4-FFF2-40B4-BE49-F238E27FC236}">
+                <a16:creationId xmlns:a16="http://schemas.microsoft.com/office/drawing/2014/main" id="{BCC76760-9BD3-434F-9E6A-136717BFDE1B}"/>
+              </a:ext>
+            </a:extLst>
+          </p:cNvPr>
+          <p:cNvSpPr txBox="1"/>
+          <p:nvPr/>
+        </p:nvSpPr>
+        <p:spPr>
+          <a:xfrm>
+            <a:off x="3325557" y="999396"/>
+            <a:ext cx="1273490" cy="369332"/>
+          </a:xfrm>
+          <a:prstGeom prst="rect">
+            <a:avLst/>
+          </a:prstGeom>
+          <a:noFill/>
+        </p:spPr>
+        <p:txBody>
+          <a:bodyPr wrap="none" rtlCol="0">
+            <a:spAutoFit/>
+          </a:bodyPr>
+          <a:lstStyle/>
+          <a:p>
+            <a:r>
+              <a:rPr lang="en-GB" dirty="0"/>
+              <a:t>course data</a:t>
+            </a:r>
+          </a:p>
+        </p:txBody>
+      </p:sp>
+      <p:sp>
+        <p:nvSpPr>
+          <p:cNvPr id="67" name="TextBox 66">
+            <a:extLst>
+              <a:ext uri="{FF2B5EF4-FFF2-40B4-BE49-F238E27FC236}">
+                <a16:creationId xmlns:a16="http://schemas.microsoft.com/office/drawing/2014/main" id="{20291E2C-9468-437D-A8AC-320537F50B7E}"/>
+              </a:ext>
+            </a:extLst>
+          </p:cNvPr>
+          <p:cNvSpPr txBox="1"/>
+          <p:nvPr/>
+        </p:nvSpPr>
+        <p:spPr>
+          <a:xfrm>
+            <a:off x="1605071" y="1942306"/>
+            <a:ext cx="755271" cy="369332"/>
+          </a:xfrm>
+          <a:prstGeom prst="rect">
+            <a:avLst/>
+          </a:prstGeom>
+          <a:noFill/>
+        </p:spPr>
+        <p:txBody>
+          <a:bodyPr wrap="none" rtlCol="0">
+            <a:spAutoFit/>
+          </a:bodyPr>
+          <a:lstStyle/>
+          <a:p>
+            <a:r>
+              <a:rPr lang="en-GB" dirty="0"/>
+              <a:t>config</a:t>
+            </a:r>
+          </a:p>
+        </p:txBody>
+      </p:sp>
+      <p:sp>
+        <p:nvSpPr>
+          <p:cNvPr id="69" name="TextBox 68">
+            <a:extLst>
+              <a:ext uri="{FF2B5EF4-FFF2-40B4-BE49-F238E27FC236}">
+                <a16:creationId xmlns:a16="http://schemas.microsoft.com/office/drawing/2014/main" id="{EF495554-E8AD-4267-A70D-99CDD445646B}"/>
+              </a:ext>
+            </a:extLst>
+          </p:cNvPr>
+          <p:cNvSpPr txBox="1"/>
+          <p:nvPr/>
+        </p:nvSpPr>
+        <p:spPr>
+          <a:xfrm>
+            <a:off x="7693829" y="528022"/>
+            <a:ext cx="2086942" cy="1200329"/>
+          </a:xfrm>
+          <a:prstGeom prst="rect">
+            <a:avLst/>
+          </a:prstGeom>
+          <a:noFill/>
+        </p:spPr>
+        <p:txBody>
+          <a:bodyPr wrap="square" rtlCol="0">
+            <a:spAutoFit/>
+          </a:bodyPr>
+          <a:lstStyle/>
+          <a:p>
+            <a:r>
+              <a:rPr lang="en-GB" dirty="0"/>
+              <a:t>Config:</a:t>
+            </a:r>
+          </a:p>
+          <a:p>
+            <a:pPr marL="285750" indent="-285750">
+              <a:buFont typeface="Arial" panose="020B0604020202020204" pitchFamily="34" charset="0"/>
+              <a:buChar char="•"/>
+            </a:pPr>
+            <a:r>
+              <a:rPr lang="en-GB" dirty="0"/>
+              <a:t>Department</a:t>
+            </a:r>
+          </a:p>
+          <a:p>
+            <a:pPr marL="285750" indent="-285750">
+              <a:buFont typeface="Arial" panose="020B0604020202020204" pitchFamily="34" charset="0"/>
+              <a:buChar char="•"/>
+            </a:pPr>
+            <a:r>
+              <a:rPr lang="en-GB" dirty="0"/>
+              <a:t>Year</a:t>
+            </a:r>
+          </a:p>
+          <a:p>
+            <a:pPr marL="285750" indent="-285750">
+              <a:buFont typeface="Arial" panose="020B0604020202020204" pitchFamily="34" charset="0"/>
+              <a:buChar char="•"/>
+            </a:pPr>
+            <a:r>
+              <a:rPr lang="en-GB" dirty="0"/>
+              <a:t>Campus</a:t>
+            </a:r>
+          </a:p>
+        </p:txBody>
+      </p:sp>
+      <p:cxnSp>
+        <p:nvCxnSpPr>
+          <p:cNvPr id="74" name="Straight Arrow Connector 73">
+            <a:extLst>
+              <a:ext uri="{FF2B5EF4-FFF2-40B4-BE49-F238E27FC236}">
+                <a16:creationId xmlns:a16="http://schemas.microsoft.com/office/drawing/2014/main" id="{A9672451-8DBE-45EF-9246-89D811BFF239}"/>
+              </a:ext>
+            </a:extLst>
+          </p:cNvPr>
+          <p:cNvCxnSpPr>
+            <a:cxnSpLocks/>
+          </p:cNvCxnSpPr>
+          <p:nvPr/>
+        </p:nvCxnSpPr>
+        <p:spPr>
+          <a:xfrm>
+            <a:off x="2184731" y="2873447"/>
+            <a:ext cx="1777571" cy="0"/>
+          </a:xfrm>
+          <a:prstGeom prst="straightConnector1">
+            <a:avLst/>
+          </a:prstGeom>
+          <a:ln>
+            <a:tailEnd type="triangle"/>
+          </a:ln>
+        </p:spPr>
+        <p:style>
+          <a:lnRef idx="1">
+            <a:schemeClr val="dk1"/>
+          </a:lnRef>
+          <a:fillRef idx="0">
+            <a:schemeClr val="dk1"/>
+          </a:fillRef>
+          <a:effectRef idx="0">
+            <a:schemeClr val="dk1"/>
+          </a:effectRef>
+          <a:fontRef idx="minor">
+            <a:schemeClr val="tx1"/>
+          </a:fontRef>
+        </p:style>
+      </p:cxnSp>
+      <p:sp>
+        <p:nvSpPr>
+          <p:cNvPr id="78" name="TextBox 77">
+            <a:extLst>
+              <a:ext uri="{FF2B5EF4-FFF2-40B4-BE49-F238E27FC236}">
+                <a16:creationId xmlns:a16="http://schemas.microsoft.com/office/drawing/2014/main" id="{A017CE6A-B85B-4A22-85BA-B0C2648E14B8}"/>
+              </a:ext>
+            </a:extLst>
+          </p:cNvPr>
+          <p:cNvSpPr txBox="1"/>
+          <p:nvPr/>
+        </p:nvSpPr>
+        <p:spPr>
+          <a:xfrm>
+            <a:off x="2650260" y="2487242"/>
+            <a:ext cx="755271" cy="369332"/>
+          </a:xfrm>
+          <a:prstGeom prst="rect">
+            <a:avLst/>
+          </a:prstGeom>
+          <a:noFill/>
+        </p:spPr>
+        <p:txBody>
+          <a:bodyPr wrap="none" rtlCol="0">
+            <a:spAutoFit/>
+          </a:bodyPr>
+          <a:lstStyle/>
+          <a:p>
+            <a:r>
+              <a:rPr lang="en-GB" dirty="0"/>
+              <a:t>config</a:t>
+            </a:r>
+          </a:p>
+        </p:txBody>
+      </p:sp>
+      <p:cxnSp>
+        <p:nvCxnSpPr>
+          <p:cNvPr id="79" name="Straight Arrow Connector 78">
+            <a:extLst>
+              <a:ext uri="{FF2B5EF4-FFF2-40B4-BE49-F238E27FC236}">
+                <a16:creationId xmlns:a16="http://schemas.microsoft.com/office/drawing/2014/main" id="{D2F2EE6C-8105-4B0C-B68E-7856AE0F81B5}"/>
+              </a:ext>
+            </a:extLst>
+          </p:cNvPr>
+          <p:cNvCxnSpPr>
+            <a:cxnSpLocks/>
+          </p:cNvCxnSpPr>
+          <p:nvPr/>
+        </p:nvCxnSpPr>
+        <p:spPr>
+          <a:xfrm>
+            <a:off x="5034042" y="2691550"/>
+            <a:ext cx="1777571" cy="0"/>
+          </a:xfrm>
+          <a:prstGeom prst="straightConnector1">
+            <a:avLst/>
+          </a:prstGeom>
+          <a:ln>
+            <a:tailEnd type="triangle"/>
+          </a:ln>
+        </p:spPr>
+        <p:style>
+          <a:lnRef idx="1">
+            <a:schemeClr val="dk1"/>
+          </a:lnRef>
+          <a:fillRef idx="0">
+            <a:schemeClr val="dk1"/>
+          </a:fillRef>
+          <a:effectRef idx="0">
+            <a:schemeClr val="dk1"/>
+          </a:effectRef>
+          <a:fontRef idx="minor">
+            <a:schemeClr val="tx1"/>
+          </a:fontRef>
+        </p:style>
+      </p:cxnSp>
+      <p:cxnSp>
+        <p:nvCxnSpPr>
+          <p:cNvPr id="80" name="Straight Arrow Connector 79">
+            <a:extLst>
+              <a:ext uri="{FF2B5EF4-FFF2-40B4-BE49-F238E27FC236}">
+                <a16:creationId xmlns:a16="http://schemas.microsoft.com/office/drawing/2014/main" id="{FDE7E7AD-5B86-4321-82F8-19A61DBDA66C}"/>
+              </a:ext>
+            </a:extLst>
+          </p:cNvPr>
+          <p:cNvCxnSpPr>
+            <a:cxnSpLocks/>
+          </p:cNvCxnSpPr>
+          <p:nvPr/>
+        </p:nvCxnSpPr>
+        <p:spPr>
+          <a:xfrm flipH="1">
+            <a:off x="5034042" y="2985358"/>
+            <a:ext cx="1777571" cy="0"/>
+          </a:xfrm>
+          <a:prstGeom prst="straightConnector1">
+            <a:avLst/>
+          </a:prstGeom>
+          <a:ln>
+            <a:tailEnd type="triangle"/>
+          </a:ln>
+        </p:spPr>
+        <p:style>
+          <a:lnRef idx="1">
+            <a:schemeClr val="dk1"/>
+          </a:lnRef>
+          <a:fillRef idx="0">
+            <a:schemeClr val="dk1"/>
+          </a:fillRef>
+          <a:effectRef idx="0">
+            <a:schemeClr val="dk1"/>
+          </a:effectRef>
+          <a:fontRef idx="minor">
+            <a:schemeClr val="tx1"/>
+          </a:fontRef>
+        </p:style>
+      </p:cxnSp>
+      <p:sp>
+        <p:nvSpPr>
+          <p:cNvPr id="84" name="TextBox 83">
+            <a:extLst>
+              <a:ext uri="{FF2B5EF4-FFF2-40B4-BE49-F238E27FC236}">
+                <a16:creationId xmlns:a16="http://schemas.microsoft.com/office/drawing/2014/main" id="{92E1B4E5-06E6-4C00-9811-95C612FA7EEB}"/>
+              </a:ext>
+            </a:extLst>
+          </p:cNvPr>
+          <p:cNvSpPr txBox="1"/>
+          <p:nvPr/>
+        </p:nvSpPr>
+        <p:spPr>
+          <a:xfrm>
+            <a:off x="5337025" y="2338942"/>
+            <a:ext cx="1171603" cy="369332"/>
+          </a:xfrm>
+          <a:prstGeom prst="rect">
+            <a:avLst/>
+          </a:prstGeom>
+          <a:noFill/>
+        </p:spPr>
+        <p:txBody>
+          <a:bodyPr wrap="none" rtlCol="0">
+            <a:spAutoFit/>
+          </a:bodyPr>
+          <a:lstStyle/>
+          <a:p>
+            <a:r>
+              <a:rPr lang="en-GB" dirty="0"/>
+              <a:t>puppeteer</a:t>
+            </a:r>
+          </a:p>
+        </p:txBody>
+      </p:sp>
+      <p:sp>
+        <p:nvSpPr>
+          <p:cNvPr id="86" name="TextBox 85">
+            <a:extLst>
+              <a:ext uri="{FF2B5EF4-FFF2-40B4-BE49-F238E27FC236}">
+                <a16:creationId xmlns:a16="http://schemas.microsoft.com/office/drawing/2014/main" id="{65ACB877-B434-49BB-A14D-9E115C830124}"/>
+              </a:ext>
+            </a:extLst>
+          </p:cNvPr>
+          <p:cNvSpPr txBox="1"/>
+          <p:nvPr/>
+        </p:nvSpPr>
+        <p:spPr>
+          <a:xfrm>
+            <a:off x="5337025" y="2929465"/>
+            <a:ext cx="1273490" cy="369332"/>
+          </a:xfrm>
+          <a:prstGeom prst="rect">
+            <a:avLst/>
+          </a:prstGeom>
+          <a:noFill/>
+        </p:spPr>
+        <p:txBody>
+          <a:bodyPr wrap="none" rtlCol="0">
+            <a:spAutoFit/>
+          </a:bodyPr>
+          <a:lstStyle/>
+          <a:p>
+            <a:r>
+              <a:rPr lang="en-GB" dirty="0"/>
+              <a:t>course data</a:t>
+            </a:r>
+          </a:p>
+        </p:txBody>
+      </p:sp>
+    </p:spTree>
+    <p:extLst>
+      <p:ext uri="{BB962C8B-B14F-4D97-AF65-F5344CB8AC3E}">
+        <p14:creationId xmlns:p14="http://schemas.microsoft.com/office/powerpoint/2010/main" val="2144348234"/>
       </p:ext>
     </p:extLst>
   </p:cSld>
